--- a/doc/MESSAGE_LIFECYCLE.pptx
+++ b/doc/MESSAGE_LIFECYCLE.pptx
@@ -6,6 +6,7 @@
   </p:sldMasterIdLst>
   <p:sldIdLst>
     <p:sldId id="256" r:id="rId2"/>
+    <p:sldId id="257" r:id="rId3"/>
   </p:sldIdLst>
   <p:sldSz cx="12192000" cy="6858000"/>
   <p:notesSz cx="6858000" cy="9144000"/>
@@ -259,7 +260,7 @@
           <a:p>
             <a:fld id="{5D901706-B458-48F2-A5BA-65D3779CB6FF}" type="datetimeFigureOut">
               <a:rPr lang="en-US" smtClean="0"/>
-              <a:t>9/13/2025</a:t>
+              <a:t>10/11/2025</a:t>
             </a:fld>
             <a:endParaRPr lang="en-US"/>
           </a:p>
@@ -457,7 +458,7 @@
           <a:p>
             <a:fld id="{5D901706-B458-48F2-A5BA-65D3779CB6FF}" type="datetimeFigureOut">
               <a:rPr lang="en-US" smtClean="0"/>
-              <a:t>9/13/2025</a:t>
+              <a:t>10/11/2025</a:t>
             </a:fld>
             <a:endParaRPr lang="en-US"/>
           </a:p>
@@ -665,7 +666,7 @@
           <a:p>
             <a:fld id="{5D901706-B458-48F2-A5BA-65D3779CB6FF}" type="datetimeFigureOut">
               <a:rPr lang="en-US" smtClean="0"/>
-              <a:t>9/13/2025</a:t>
+              <a:t>10/11/2025</a:t>
             </a:fld>
             <a:endParaRPr lang="en-US"/>
           </a:p>
@@ -863,7 +864,7 @@
           <a:p>
             <a:fld id="{5D901706-B458-48F2-A5BA-65D3779CB6FF}" type="datetimeFigureOut">
               <a:rPr lang="en-US" smtClean="0"/>
-              <a:t>9/13/2025</a:t>
+              <a:t>10/11/2025</a:t>
             </a:fld>
             <a:endParaRPr lang="en-US"/>
           </a:p>
@@ -1138,7 +1139,7 @@
           <a:p>
             <a:fld id="{5D901706-B458-48F2-A5BA-65D3779CB6FF}" type="datetimeFigureOut">
               <a:rPr lang="en-US" smtClean="0"/>
-              <a:t>9/13/2025</a:t>
+              <a:t>10/11/2025</a:t>
             </a:fld>
             <a:endParaRPr lang="en-US"/>
           </a:p>
@@ -1403,7 +1404,7 @@
           <a:p>
             <a:fld id="{5D901706-B458-48F2-A5BA-65D3779CB6FF}" type="datetimeFigureOut">
               <a:rPr lang="en-US" smtClean="0"/>
-              <a:t>9/13/2025</a:t>
+              <a:t>10/11/2025</a:t>
             </a:fld>
             <a:endParaRPr lang="en-US"/>
           </a:p>
@@ -1815,7 +1816,7 @@
           <a:p>
             <a:fld id="{5D901706-B458-48F2-A5BA-65D3779CB6FF}" type="datetimeFigureOut">
               <a:rPr lang="en-US" smtClean="0"/>
-              <a:t>9/13/2025</a:t>
+              <a:t>10/11/2025</a:t>
             </a:fld>
             <a:endParaRPr lang="en-US"/>
           </a:p>
@@ -1956,7 +1957,7 @@
           <a:p>
             <a:fld id="{5D901706-B458-48F2-A5BA-65D3779CB6FF}" type="datetimeFigureOut">
               <a:rPr lang="en-US" smtClean="0"/>
-              <a:t>9/13/2025</a:t>
+              <a:t>10/11/2025</a:t>
             </a:fld>
             <a:endParaRPr lang="en-US"/>
           </a:p>
@@ -2069,7 +2070,7 @@
           <a:p>
             <a:fld id="{5D901706-B458-48F2-A5BA-65D3779CB6FF}" type="datetimeFigureOut">
               <a:rPr lang="en-US" smtClean="0"/>
-              <a:t>9/13/2025</a:t>
+              <a:t>10/11/2025</a:t>
             </a:fld>
             <a:endParaRPr lang="en-US"/>
           </a:p>
@@ -2380,7 +2381,7 @@
           <a:p>
             <a:fld id="{5D901706-B458-48F2-A5BA-65D3779CB6FF}" type="datetimeFigureOut">
               <a:rPr lang="en-US" smtClean="0"/>
-              <a:t>9/13/2025</a:t>
+              <a:t>10/11/2025</a:t>
             </a:fld>
             <a:endParaRPr lang="en-US"/>
           </a:p>
@@ -2668,7 +2669,7 @@
           <a:p>
             <a:fld id="{5D901706-B458-48F2-A5BA-65D3779CB6FF}" type="datetimeFigureOut">
               <a:rPr lang="en-US" smtClean="0"/>
-              <a:t>9/13/2025</a:t>
+              <a:t>10/11/2025</a:t>
             </a:fld>
             <a:endParaRPr lang="en-US"/>
           </a:p>
@@ -2909,7 +2910,7 @@
           <a:p>
             <a:fld id="{5D901706-B458-48F2-A5BA-65D3779CB6FF}" type="datetimeFigureOut">
               <a:rPr lang="en-US" smtClean="0"/>
-              <a:t>9/13/2025</a:t>
+              <a:t>10/11/2025</a:t>
             </a:fld>
             <a:endParaRPr lang="en-US"/>
           </a:p>
@@ -4800,6 +4801,1840 @@
     <p:extLst>
       <p:ext uri="{BB962C8B-B14F-4D97-AF65-F5344CB8AC3E}">
         <p14:creationId xmlns:p14="http://schemas.microsoft.com/office/powerpoint/2010/main" val="1205681605"/>
+      </p:ext>
+    </p:extLst>
+  </p:cSld>
+  <p:clrMapOvr>
+    <a:masterClrMapping/>
+  </p:clrMapOvr>
+</p:sld>
+</file>
+
+<file path=ppt/slides/slide2.xml><?xml version="1.0" encoding="utf-8"?>
+<p:sld xmlns:a="http://schemas.openxmlformats.org/drawingml/2006/main" xmlns:r="http://schemas.openxmlformats.org/officeDocument/2006/relationships" xmlns:p="http://schemas.openxmlformats.org/presentationml/2006/main">
+  <p:cSld>
+    <p:spTree>
+      <p:nvGrpSpPr>
+        <p:cNvPr id="1" name=""/>
+        <p:cNvGrpSpPr/>
+        <p:nvPr/>
+      </p:nvGrpSpPr>
+      <p:grpSpPr>
+        <a:xfrm>
+          <a:off x="0" y="0"/>
+          <a:ext cx="0" cy="0"/>
+          <a:chOff x="0" y="0"/>
+          <a:chExt cx="0" cy="0"/>
+        </a:xfrm>
+      </p:grpSpPr>
+      <p:sp>
+        <p:nvSpPr>
+          <p:cNvPr id="2" name="Title 1">
+            <a:extLst>
+              <a:ext uri="{FF2B5EF4-FFF2-40B4-BE49-F238E27FC236}">
+                <a16:creationId xmlns:a16="http://schemas.microsoft.com/office/drawing/2014/main" id="{2FAEFC4D-7850-B456-BB4F-C74EDB9574AD}"/>
+              </a:ext>
+            </a:extLst>
+          </p:cNvPr>
+          <p:cNvSpPr>
+            <a:spLocks noGrp="1"/>
+          </p:cNvSpPr>
+          <p:nvPr>
+            <p:ph type="title"/>
+          </p:nvPr>
+        </p:nvSpPr>
+        <p:spPr>
+          <a:xfrm>
+            <a:off x="407043" y="260954"/>
+            <a:ext cx="11377914" cy="491402"/>
+          </a:xfrm>
+        </p:spPr>
+        <p:txBody>
+          <a:bodyPr>
+            <a:normAutofit fontScale="90000"/>
+          </a:bodyPr>
+          <a:lstStyle/>
+          <a:p>
+            <a:r>
+              <a:rPr lang="en-US" dirty="0"/>
+              <a:t>Unit of Work Pattern</a:t>
+            </a:r>
+          </a:p>
+        </p:txBody>
+      </p:sp>
+      <p:sp>
+        <p:nvSpPr>
+          <p:cNvPr id="3" name="Rectangle 2">
+            <a:extLst>
+              <a:ext uri="{FF2B5EF4-FFF2-40B4-BE49-F238E27FC236}">
+                <a16:creationId xmlns:a16="http://schemas.microsoft.com/office/drawing/2014/main" id="{D1C88996-56E1-1A63-AE7B-EFE5D40C8EB9}"/>
+              </a:ext>
+            </a:extLst>
+          </p:cNvPr>
+          <p:cNvSpPr/>
+          <p:nvPr/>
+        </p:nvSpPr>
+        <p:spPr>
+          <a:xfrm>
+            <a:off x="582593" y="914401"/>
+            <a:ext cx="5094788" cy="4889150"/>
+          </a:xfrm>
+          <a:prstGeom prst="rect">
+            <a:avLst/>
+          </a:prstGeom>
+          <a:noFill/>
+        </p:spPr>
+        <p:style>
+          <a:lnRef idx="2">
+            <a:schemeClr val="accent6"/>
+          </a:lnRef>
+          <a:fillRef idx="1">
+            <a:schemeClr val="lt1"/>
+          </a:fillRef>
+          <a:effectRef idx="0">
+            <a:schemeClr val="accent6"/>
+          </a:effectRef>
+          <a:fontRef idx="minor">
+            <a:schemeClr val="dk1"/>
+          </a:fontRef>
+        </p:style>
+        <p:txBody>
+          <a:bodyPr rtlCol="0" anchor="t"/>
+          <a:lstStyle/>
+          <a:p>
+            <a:r>
+              <a:rPr lang="en-US" sz="2000" b="1" dirty="0"/>
+              <a:t>Unit of Work</a:t>
+            </a:r>
+          </a:p>
+        </p:txBody>
+      </p:sp>
+      <p:sp>
+        <p:nvSpPr>
+          <p:cNvPr id="4" name="Cylinder 3">
+            <a:extLst>
+              <a:ext uri="{FF2B5EF4-FFF2-40B4-BE49-F238E27FC236}">
+                <a16:creationId xmlns:a16="http://schemas.microsoft.com/office/drawing/2014/main" id="{AED6E713-8AE7-16C0-BF96-842DBAC0C352}"/>
+              </a:ext>
+            </a:extLst>
+          </p:cNvPr>
+          <p:cNvSpPr/>
+          <p:nvPr/>
+        </p:nvSpPr>
+        <p:spPr>
+          <a:xfrm>
+            <a:off x="6096000" y="405114"/>
+            <a:ext cx="5513407" cy="6191932"/>
+          </a:xfrm>
+          <a:prstGeom prst="can">
+            <a:avLst>
+              <a:gd name="adj" fmla="val 5896"/>
+            </a:avLst>
+          </a:prstGeom>
+          <a:noFill/>
+          <a:ln>
+            <a:solidFill>
+              <a:srgbClr val="7030A0"/>
+            </a:solidFill>
+          </a:ln>
+        </p:spPr>
+        <p:style>
+          <a:lnRef idx="2">
+            <a:schemeClr val="accent4"/>
+          </a:lnRef>
+          <a:fillRef idx="1">
+            <a:schemeClr val="lt1"/>
+          </a:fillRef>
+          <a:effectRef idx="0">
+            <a:schemeClr val="accent4"/>
+          </a:effectRef>
+          <a:fontRef idx="minor">
+            <a:schemeClr val="dk1"/>
+          </a:fontRef>
+        </p:style>
+        <p:txBody>
+          <a:bodyPr rtlCol="0" anchor="b"/>
+          <a:lstStyle/>
+          <a:p>
+            <a:r>
+              <a:rPr lang="en-US" sz="3600" b="1" dirty="0">
+                <a:solidFill>
+                  <a:srgbClr val="7030A0"/>
+                </a:solidFill>
+              </a:rPr>
+              <a:t>Queue</a:t>
+            </a:r>
+          </a:p>
+        </p:txBody>
+      </p:sp>
+      <p:sp>
+        <p:nvSpPr>
+          <p:cNvPr id="6" name="Flowchart: Alternate Process 5">
+            <a:extLst>
+              <a:ext uri="{FF2B5EF4-FFF2-40B4-BE49-F238E27FC236}">
+                <a16:creationId xmlns:a16="http://schemas.microsoft.com/office/drawing/2014/main" id="{C3B98B38-0326-7E7E-9B86-1DE70CFD00AE}"/>
+              </a:ext>
+            </a:extLst>
+          </p:cNvPr>
+          <p:cNvSpPr/>
+          <p:nvPr/>
+        </p:nvSpPr>
+        <p:spPr>
+          <a:xfrm>
+            <a:off x="6495326" y="1155896"/>
+            <a:ext cx="1340734" cy="740779"/>
+          </a:xfrm>
+          <a:prstGeom prst="flowChartAlternateProcess">
+            <a:avLst/>
+          </a:prstGeom>
+        </p:spPr>
+        <p:style>
+          <a:lnRef idx="1">
+            <a:schemeClr val="accent4"/>
+          </a:lnRef>
+          <a:fillRef idx="2">
+            <a:schemeClr val="accent4"/>
+          </a:fillRef>
+          <a:effectRef idx="1">
+            <a:schemeClr val="accent4"/>
+          </a:effectRef>
+          <a:fontRef idx="minor">
+            <a:schemeClr val="dk1"/>
+          </a:fontRef>
+        </p:style>
+        <p:txBody>
+          <a:bodyPr rtlCol="0" anchor="ctr"/>
+          <a:lstStyle/>
+          <a:p>
+            <a:pPr algn="ctr"/>
+            <a:r>
+              <a:rPr lang="en-US" dirty="0"/>
+              <a:t>dequeue()</a:t>
+            </a:r>
+          </a:p>
+        </p:txBody>
+      </p:sp>
+      <p:cxnSp>
+        <p:nvCxnSpPr>
+          <p:cNvPr id="8" name="Straight Arrow Connector 7">
+            <a:extLst>
+              <a:ext uri="{FF2B5EF4-FFF2-40B4-BE49-F238E27FC236}">
+                <a16:creationId xmlns:a16="http://schemas.microsoft.com/office/drawing/2014/main" id="{7BCC0FE4-7A81-EEC5-3419-01C016DB450B}"/>
+              </a:ext>
+            </a:extLst>
+          </p:cNvPr>
+          <p:cNvCxnSpPr>
+            <a:cxnSpLocks/>
+            <a:stCxn id="6" idx="3"/>
+            <a:endCxn id="21" idx="1"/>
+          </p:cNvCxnSpPr>
+          <p:nvPr/>
+        </p:nvCxnSpPr>
+        <p:spPr>
+          <a:xfrm>
+            <a:off x="7836060" y="1526286"/>
+            <a:ext cx="1857739" cy="185255"/>
+          </a:xfrm>
+          <a:prstGeom prst="straightConnector1">
+            <a:avLst/>
+          </a:prstGeom>
+          <a:ln w="38100">
+            <a:solidFill>
+              <a:schemeClr val="tx1">
+                <a:lumMod val="95000"/>
+                <a:lumOff val="5000"/>
+              </a:schemeClr>
+            </a:solidFill>
+            <a:headEnd type="triangle" w="lg" len="lg"/>
+            <a:tailEnd type="triangle" w="lg" len="lg"/>
+          </a:ln>
+        </p:spPr>
+        <p:style>
+          <a:lnRef idx="2">
+            <a:schemeClr val="dk1"/>
+          </a:lnRef>
+          <a:fillRef idx="0">
+            <a:schemeClr val="dk1"/>
+          </a:fillRef>
+          <a:effectRef idx="1">
+            <a:schemeClr val="dk1"/>
+          </a:effectRef>
+          <a:fontRef idx="minor">
+            <a:schemeClr val="tx1"/>
+          </a:fontRef>
+        </p:style>
+      </p:cxnSp>
+      <p:sp>
+        <p:nvSpPr>
+          <p:cNvPr id="9" name="Flowchart: Internal Storage 8">
+            <a:extLst>
+              <a:ext uri="{FF2B5EF4-FFF2-40B4-BE49-F238E27FC236}">
+                <a16:creationId xmlns:a16="http://schemas.microsoft.com/office/drawing/2014/main" id="{11E63969-9576-A7F2-D3D0-96D612CE53E3}"/>
+              </a:ext>
+            </a:extLst>
+          </p:cNvPr>
+          <p:cNvSpPr/>
+          <p:nvPr/>
+        </p:nvSpPr>
+        <p:spPr>
+          <a:xfrm>
+            <a:off x="8718629" y="3824213"/>
+            <a:ext cx="1551008" cy="869094"/>
+          </a:xfrm>
+          <a:prstGeom prst="flowChartInternalStorage">
+            <a:avLst/>
+          </a:prstGeom>
+        </p:spPr>
+        <p:style>
+          <a:lnRef idx="2">
+            <a:schemeClr val="accent4">
+              <a:shade val="15000"/>
+            </a:schemeClr>
+          </a:lnRef>
+          <a:fillRef idx="1">
+            <a:schemeClr val="accent4"/>
+          </a:fillRef>
+          <a:effectRef idx="0">
+            <a:schemeClr val="accent4"/>
+          </a:effectRef>
+          <a:fontRef idx="minor">
+            <a:schemeClr val="lt1"/>
+          </a:fontRef>
+        </p:style>
+        <p:txBody>
+          <a:bodyPr rtlCol="0" anchor="ctr"/>
+          <a:lstStyle/>
+          <a:p>
+            <a:pPr algn="ctr"/>
+            <a:r>
+              <a:rPr lang="en-US" dirty="0"/>
+              <a:t>message _history</a:t>
+            </a:r>
+          </a:p>
+        </p:txBody>
+      </p:sp>
+      <p:sp>
+        <p:nvSpPr>
+          <p:cNvPr id="10" name="Flowchart: Internal Storage 9">
+            <a:extLst>
+              <a:ext uri="{FF2B5EF4-FFF2-40B4-BE49-F238E27FC236}">
+                <a16:creationId xmlns:a16="http://schemas.microsoft.com/office/drawing/2014/main" id="{C9EACEB5-ADE7-14D9-FCC3-B952A755D65C}"/>
+              </a:ext>
+            </a:extLst>
+          </p:cNvPr>
+          <p:cNvSpPr/>
+          <p:nvPr/>
+        </p:nvSpPr>
+        <p:spPr>
+          <a:xfrm>
+            <a:off x="9722734" y="5186967"/>
+            <a:ext cx="1551008" cy="869094"/>
+          </a:xfrm>
+          <a:prstGeom prst="flowChartInternalStorage">
+            <a:avLst/>
+          </a:prstGeom>
+        </p:spPr>
+        <p:style>
+          <a:lnRef idx="2">
+            <a:schemeClr val="accent4">
+              <a:shade val="15000"/>
+            </a:schemeClr>
+          </a:lnRef>
+          <a:fillRef idx="1">
+            <a:schemeClr val="accent4"/>
+          </a:fillRef>
+          <a:effectRef idx="0">
+            <a:schemeClr val="accent4"/>
+          </a:effectRef>
+          <a:fontRef idx="minor">
+            <a:schemeClr val="lt1"/>
+          </a:fontRef>
+        </p:style>
+        <p:txBody>
+          <a:bodyPr rtlCol="0" anchor="ctr"/>
+          <a:lstStyle/>
+          <a:p>
+            <a:pPr algn="ctr"/>
+            <a:r>
+              <a:rPr lang="en-US" dirty="0"/>
+              <a:t>dead _letter</a:t>
+            </a:r>
+          </a:p>
+        </p:txBody>
+      </p:sp>
+      <p:sp>
+        <p:nvSpPr>
+          <p:cNvPr id="12" name="Flowchart: Alternate Process 11">
+            <a:extLst>
+              <a:ext uri="{FF2B5EF4-FFF2-40B4-BE49-F238E27FC236}">
+                <a16:creationId xmlns:a16="http://schemas.microsoft.com/office/drawing/2014/main" id="{CC1B6EB1-E742-78C4-97D6-D96200175028}"/>
+              </a:ext>
+            </a:extLst>
+          </p:cNvPr>
+          <p:cNvSpPr/>
+          <p:nvPr/>
+        </p:nvSpPr>
+        <p:spPr>
+          <a:xfrm>
+            <a:off x="6323634" y="4018899"/>
+            <a:ext cx="1340734" cy="265609"/>
+          </a:xfrm>
+          <a:prstGeom prst="flowChartAlternateProcess">
+            <a:avLst/>
+          </a:prstGeom>
+          <a:solidFill>
+            <a:schemeClr val="accent5">
+              <a:lumMod val="40000"/>
+              <a:lumOff val="60000"/>
+            </a:schemeClr>
+          </a:solidFill>
+          <a:ln>
+            <a:solidFill>
+              <a:schemeClr val="tx1"/>
+            </a:solidFill>
+          </a:ln>
+        </p:spPr>
+        <p:style>
+          <a:lnRef idx="1">
+            <a:schemeClr val="accent4"/>
+          </a:lnRef>
+          <a:fillRef idx="2">
+            <a:schemeClr val="accent4"/>
+          </a:fillRef>
+          <a:effectRef idx="1">
+            <a:schemeClr val="accent4"/>
+          </a:effectRef>
+          <a:fontRef idx="minor">
+            <a:schemeClr val="dk1"/>
+          </a:fontRef>
+        </p:style>
+        <p:txBody>
+          <a:bodyPr rtlCol="0" anchor="ctr"/>
+          <a:lstStyle/>
+          <a:p>
+            <a:pPr algn="ctr"/>
+            <a:r>
+              <a:rPr lang="en-US" dirty="0"/>
+              <a:t>nak()</a:t>
+            </a:r>
+          </a:p>
+        </p:txBody>
+      </p:sp>
+      <p:sp>
+        <p:nvSpPr>
+          <p:cNvPr id="13" name="Flowchart: Alternate Process 12">
+            <a:extLst>
+              <a:ext uri="{FF2B5EF4-FFF2-40B4-BE49-F238E27FC236}">
+                <a16:creationId xmlns:a16="http://schemas.microsoft.com/office/drawing/2014/main" id="{CE21020B-8704-D0F3-BF4E-3CCC7668940A}"/>
+              </a:ext>
+            </a:extLst>
+          </p:cNvPr>
+          <p:cNvSpPr/>
+          <p:nvPr/>
+        </p:nvSpPr>
+        <p:spPr>
+          <a:xfrm>
+            <a:off x="6302414" y="4661054"/>
+            <a:ext cx="1340734" cy="265609"/>
+          </a:xfrm>
+          <a:prstGeom prst="flowChartAlternateProcess">
+            <a:avLst/>
+          </a:prstGeom>
+          <a:solidFill>
+            <a:schemeClr val="accent5">
+              <a:lumMod val="40000"/>
+              <a:lumOff val="60000"/>
+            </a:schemeClr>
+          </a:solidFill>
+          <a:ln>
+            <a:solidFill>
+              <a:schemeClr val="tx1"/>
+            </a:solidFill>
+          </a:ln>
+        </p:spPr>
+        <p:style>
+          <a:lnRef idx="1">
+            <a:schemeClr val="accent4"/>
+          </a:lnRef>
+          <a:fillRef idx="2">
+            <a:schemeClr val="accent4"/>
+          </a:fillRef>
+          <a:effectRef idx="1">
+            <a:schemeClr val="accent4"/>
+          </a:effectRef>
+          <a:fontRef idx="minor">
+            <a:schemeClr val="dk1"/>
+          </a:fontRef>
+        </p:style>
+        <p:txBody>
+          <a:bodyPr rtlCol="0" anchor="ctr"/>
+          <a:lstStyle/>
+          <a:p>
+            <a:pPr algn="ctr"/>
+            <a:r>
+              <a:rPr lang="en-US" dirty="0"/>
+              <a:t>ack()</a:t>
+            </a:r>
+          </a:p>
+        </p:txBody>
+      </p:sp>
+      <p:sp>
+        <p:nvSpPr>
+          <p:cNvPr id="14" name="Flowchart: Alternate Process 13">
+            <a:extLst>
+              <a:ext uri="{FF2B5EF4-FFF2-40B4-BE49-F238E27FC236}">
+                <a16:creationId xmlns:a16="http://schemas.microsoft.com/office/drawing/2014/main" id="{903F80B1-C0B5-BB22-FFE2-A67581B5CFC3}"/>
+              </a:ext>
+            </a:extLst>
+          </p:cNvPr>
+          <p:cNvSpPr/>
+          <p:nvPr/>
+        </p:nvSpPr>
+        <p:spPr>
+          <a:xfrm>
+            <a:off x="6310131" y="5303209"/>
+            <a:ext cx="1340734" cy="265609"/>
+          </a:xfrm>
+          <a:prstGeom prst="flowChartAlternateProcess">
+            <a:avLst/>
+          </a:prstGeom>
+          <a:solidFill>
+            <a:schemeClr val="accent5">
+              <a:lumMod val="40000"/>
+              <a:lumOff val="60000"/>
+            </a:schemeClr>
+          </a:solidFill>
+          <a:ln>
+            <a:solidFill>
+              <a:schemeClr val="tx1"/>
+            </a:solidFill>
+          </a:ln>
+        </p:spPr>
+        <p:style>
+          <a:lnRef idx="1">
+            <a:schemeClr val="accent4"/>
+          </a:lnRef>
+          <a:fillRef idx="2">
+            <a:schemeClr val="accent4"/>
+          </a:fillRef>
+          <a:effectRef idx="1">
+            <a:schemeClr val="accent4"/>
+          </a:effectRef>
+          <a:fontRef idx="minor">
+            <a:schemeClr val="dk1"/>
+          </a:fontRef>
+        </p:style>
+        <p:txBody>
+          <a:bodyPr rtlCol="0" anchor="ctr"/>
+          <a:lstStyle/>
+          <a:p>
+            <a:pPr algn="ctr"/>
+            <a:r>
+              <a:rPr lang="en-US" dirty="0"/>
+              <a:t>reject()</a:t>
+            </a:r>
+          </a:p>
+        </p:txBody>
+      </p:sp>
+      <p:cxnSp>
+        <p:nvCxnSpPr>
+          <p:cNvPr id="16" name="Straight Arrow Connector 15">
+            <a:extLst>
+              <a:ext uri="{FF2B5EF4-FFF2-40B4-BE49-F238E27FC236}">
+                <a16:creationId xmlns:a16="http://schemas.microsoft.com/office/drawing/2014/main" id="{C040D33D-2618-0A74-251F-A3CDAA1DA95B}"/>
+              </a:ext>
+            </a:extLst>
+          </p:cNvPr>
+          <p:cNvCxnSpPr>
+            <a:cxnSpLocks/>
+            <a:stCxn id="12" idx="3"/>
+            <a:endCxn id="20" idx="1"/>
+          </p:cNvCxnSpPr>
+          <p:nvPr/>
+        </p:nvCxnSpPr>
+        <p:spPr>
+          <a:xfrm flipV="1">
+            <a:off x="7664368" y="2688085"/>
+            <a:ext cx="2029431" cy="1463619"/>
+          </a:xfrm>
+          <a:prstGeom prst="straightConnector1">
+            <a:avLst/>
+          </a:prstGeom>
+          <a:ln w="38100">
+            <a:solidFill>
+              <a:schemeClr val="tx1"/>
+            </a:solidFill>
+            <a:prstDash val="solid"/>
+            <a:headEnd type="none" w="med" len="med"/>
+            <a:tailEnd type="triangle" w="lg" len="lg"/>
+          </a:ln>
+        </p:spPr>
+        <p:style>
+          <a:lnRef idx="2">
+            <a:schemeClr val="dk1"/>
+          </a:lnRef>
+          <a:fillRef idx="0">
+            <a:schemeClr val="dk1"/>
+          </a:fillRef>
+          <a:effectRef idx="1">
+            <a:schemeClr val="dk1"/>
+          </a:effectRef>
+          <a:fontRef idx="minor">
+            <a:schemeClr val="tx1"/>
+          </a:fontRef>
+        </p:style>
+      </p:cxnSp>
+      <p:sp>
+        <p:nvSpPr>
+          <p:cNvPr id="18" name="Rectangle 17">
+            <a:extLst>
+              <a:ext uri="{FF2B5EF4-FFF2-40B4-BE49-F238E27FC236}">
+                <a16:creationId xmlns:a16="http://schemas.microsoft.com/office/drawing/2014/main" id="{E26F5FEC-742E-B406-876C-6420DBC85109}"/>
+              </a:ext>
+            </a:extLst>
+          </p:cNvPr>
+          <p:cNvSpPr/>
+          <p:nvPr/>
+        </p:nvSpPr>
+        <p:spPr>
+          <a:xfrm>
+            <a:off x="9693799" y="2252526"/>
+            <a:ext cx="243069" cy="243066"/>
+          </a:xfrm>
+          <a:prstGeom prst="rect">
+            <a:avLst/>
+          </a:prstGeom>
+        </p:spPr>
+        <p:style>
+          <a:lnRef idx="2">
+            <a:schemeClr val="accent1">
+              <a:shade val="15000"/>
+            </a:schemeClr>
+          </a:lnRef>
+          <a:fillRef idx="1">
+            <a:schemeClr val="accent1"/>
+          </a:fillRef>
+          <a:effectRef idx="0">
+            <a:schemeClr val="accent1"/>
+          </a:effectRef>
+          <a:fontRef idx="minor">
+            <a:schemeClr val="lt1"/>
+          </a:fontRef>
+        </p:style>
+        <p:txBody>
+          <a:bodyPr rtlCol="0" anchor="ctr"/>
+          <a:lstStyle/>
+          <a:p>
+            <a:pPr algn="ctr"/>
+            <a:endParaRPr lang="en-US"/>
+          </a:p>
+        </p:txBody>
+      </p:sp>
+      <p:sp>
+        <p:nvSpPr>
+          <p:cNvPr id="20" name="Rectangle 19">
+            <a:extLst>
+              <a:ext uri="{FF2B5EF4-FFF2-40B4-BE49-F238E27FC236}">
+                <a16:creationId xmlns:a16="http://schemas.microsoft.com/office/drawing/2014/main" id="{15EC9B88-DF86-B893-F78C-B00ADB4C4572}"/>
+              </a:ext>
+            </a:extLst>
+          </p:cNvPr>
+          <p:cNvSpPr/>
+          <p:nvPr/>
+        </p:nvSpPr>
+        <p:spPr>
+          <a:xfrm>
+            <a:off x="9693799" y="2566552"/>
+            <a:ext cx="243069" cy="243066"/>
+          </a:xfrm>
+          <a:prstGeom prst="rect">
+            <a:avLst/>
+          </a:prstGeom>
+        </p:spPr>
+        <p:style>
+          <a:lnRef idx="2">
+            <a:schemeClr val="accent1">
+              <a:shade val="15000"/>
+            </a:schemeClr>
+          </a:lnRef>
+          <a:fillRef idx="1">
+            <a:schemeClr val="accent1"/>
+          </a:fillRef>
+          <a:effectRef idx="0">
+            <a:schemeClr val="accent1"/>
+          </a:effectRef>
+          <a:fontRef idx="minor">
+            <a:schemeClr val="lt1"/>
+          </a:fontRef>
+        </p:style>
+        <p:txBody>
+          <a:bodyPr rtlCol="0" anchor="ctr"/>
+          <a:lstStyle/>
+          <a:p>
+            <a:pPr algn="ctr"/>
+            <a:endParaRPr lang="en-US"/>
+          </a:p>
+        </p:txBody>
+      </p:sp>
+      <p:sp>
+        <p:nvSpPr>
+          <p:cNvPr id="21" name="Rectangle 20">
+            <a:extLst>
+              <a:ext uri="{FF2B5EF4-FFF2-40B4-BE49-F238E27FC236}">
+                <a16:creationId xmlns:a16="http://schemas.microsoft.com/office/drawing/2014/main" id="{406DAFA2-E7AC-38A8-16FE-751A77EB8F21}"/>
+              </a:ext>
+            </a:extLst>
+          </p:cNvPr>
+          <p:cNvSpPr/>
+          <p:nvPr/>
+        </p:nvSpPr>
+        <p:spPr>
+          <a:xfrm>
+            <a:off x="9693799" y="1590008"/>
+            <a:ext cx="243069" cy="243066"/>
+          </a:xfrm>
+          <a:prstGeom prst="rect">
+            <a:avLst/>
+          </a:prstGeom>
+        </p:spPr>
+        <p:style>
+          <a:lnRef idx="2">
+            <a:schemeClr val="accent1">
+              <a:shade val="15000"/>
+            </a:schemeClr>
+          </a:lnRef>
+          <a:fillRef idx="1">
+            <a:schemeClr val="accent1"/>
+          </a:fillRef>
+          <a:effectRef idx="0">
+            <a:schemeClr val="accent1"/>
+          </a:effectRef>
+          <a:fontRef idx="minor">
+            <a:schemeClr val="lt1"/>
+          </a:fontRef>
+        </p:style>
+        <p:txBody>
+          <a:bodyPr rtlCol="0" anchor="ctr"/>
+          <a:lstStyle/>
+          <a:p>
+            <a:pPr algn="ctr"/>
+            <a:endParaRPr lang="en-US"/>
+          </a:p>
+        </p:txBody>
+      </p:sp>
+      <p:sp>
+        <p:nvSpPr>
+          <p:cNvPr id="5" name="Flowchart: Internal Storage 4">
+            <a:extLst>
+              <a:ext uri="{FF2B5EF4-FFF2-40B4-BE49-F238E27FC236}">
+                <a16:creationId xmlns:a16="http://schemas.microsoft.com/office/drawing/2014/main" id="{E9CE9D62-EAC0-310F-BF43-8B2FB56C35A4}"/>
+              </a:ext>
+            </a:extLst>
+          </p:cNvPr>
+          <p:cNvSpPr/>
+          <p:nvPr/>
+        </p:nvSpPr>
+        <p:spPr>
+          <a:xfrm>
+            <a:off x="9722734" y="1562584"/>
+            <a:ext cx="1551008" cy="1226917"/>
+          </a:xfrm>
+          <a:prstGeom prst="flowChartInternalStorage">
+            <a:avLst/>
+          </a:prstGeom>
+        </p:spPr>
+        <p:style>
+          <a:lnRef idx="2">
+            <a:schemeClr val="accent4">
+              <a:shade val="15000"/>
+            </a:schemeClr>
+          </a:lnRef>
+          <a:fillRef idx="1">
+            <a:schemeClr val="accent4"/>
+          </a:fillRef>
+          <a:effectRef idx="0">
+            <a:schemeClr val="accent4"/>
+          </a:effectRef>
+          <a:fontRef idx="minor">
+            <a:schemeClr val="lt1"/>
+          </a:fontRef>
+        </p:style>
+        <p:txBody>
+          <a:bodyPr rtlCol="0" anchor="ctr"/>
+          <a:lstStyle/>
+          <a:p>
+            <a:pPr algn="ctr"/>
+            <a:r>
+              <a:rPr lang="en-US" dirty="0"/>
+              <a:t>message _queue</a:t>
+            </a:r>
+          </a:p>
+        </p:txBody>
+      </p:sp>
+      <p:cxnSp>
+        <p:nvCxnSpPr>
+          <p:cNvPr id="24" name="Straight Arrow Connector 23">
+            <a:extLst>
+              <a:ext uri="{FF2B5EF4-FFF2-40B4-BE49-F238E27FC236}">
+                <a16:creationId xmlns:a16="http://schemas.microsoft.com/office/drawing/2014/main" id="{F32FADFD-09FF-943F-EA5E-318C536131ED}"/>
+              </a:ext>
+            </a:extLst>
+          </p:cNvPr>
+          <p:cNvCxnSpPr>
+            <a:cxnSpLocks/>
+            <a:stCxn id="11" idx="3"/>
+            <a:endCxn id="18" idx="1"/>
+          </p:cNvCxnSpPr>
+          <p:nvPr/>
+        </p:nvCxnSpPr>
+        <p:spPr>
+          <a:xfrm flipV="1">
+            <a:off x="8667024" y="2374059"/>
+            <a:ext cx="1026775" cy="150258"/>
+          </a:xfrm>
+          <a:prstGeom prst="straightConnector1">
+            <a:avLst/>
+          </a:prstGeom>
+          <a:ln w="38100">
+            <a:solidFill>
+              <a:schemeClr val="accent2">
+                <a:lumMod val="75000"/>
+              </a:schemeClr>
+            </a:solidFill>
+            <a:prstDash val="sysDash"/>
+            <a:headEnd type="none" w="med" len="med"/>
+            <a:tailEnd type="triangle" w="med" len="med"/>
+          </a:ln>
+        </p:spPr>
+        <p:style>
+          <a:lnRef idx="2">
+            <a:schemeClr val="dk1"/>
+          </a:lnRef>
+          <a:fillRef idx="0">
+            <a:schemeClr val="dk1"/>
+          </a:fillRef>
+          <a:effectRef idx="1">
+            <a:schemeClr val="dk1"/>
+          </a:effectRef>
+          <a:fontRef idx="minor">
+            <a:schemeClr val="tx1"/>
+          </a:fontRef>
+        </p:style>
+      </p:cxnSp>
+      <p:cxnSp>
+        <p:nvCxnSpPr>
+          <p:cNvPr id="36" name="Straight Arrow Connector 35">
+            <a:extLst>
+              <a:ext uri="{FF2B5EF4-FFF2-40B4-BE49-F238E27FC236}">
+                <a16:creationId xmlns:a16="http://schemas.microsoft.com/office/drawing/2014/main" id="{1E73F4F2-9C97-B8EC-39EA-6A3B7C4CFFDD}"/>
+              </a:ext>
+            </a:extLst>
+          </p:cNvPr>
+          <p:cNvCxnSpPr>
+            <a:cxnSpLocks/>
+            <a:stCxn id="13" idx="3"/>
+            <a:endCxn id="9" idx="1"/>
+          </p:cNvCxnSpPr>
+          <p:nvPr/>
+        </p:nvCxnSpPr>
+        <p:spPr>
+          <a:xfrm flipV="1">
+            <a:off x="7643148" y="4258760"/>
+            <a:ext cx="1075481" cy="535099"/>
+          </a:xfrm>
+          <a:prstGeom prst="straightConnector1">
+            <a:avLst/>
+          </a:prstGeom>
+          <a:ln w="38100">
+            <a:solidFill>
+              <a:schemeClr val="accent6">
+                <a:lumMod val="75000"/>
+              </a:schemeClr>
+            </a:solidFill>
+            <a:prstDash val="solid"/>
+            <a:headEnd type="none" w="med" len="med"/>
+            <a:tailEnd type="triangle" w="lg" len="lg"/>
+          </a:ln>
+        </p:spPr>
+        <p:style>
+          <a:lnRef idx="2">
+            <a:schemeClr val="dk1"/>
+          </a:lnRef>
+          <a:fillRef idx="0">
+            <a:schemeClr val="dk1"/>
+          </a:fillRef>
+          <a:effectRef idx="1">
+            <a:schemeClr val="dk1"/>
+          </a:effectRef>
+          <a:fontRef idx="minor">
+            <a:schemeClr val="tx1"/>
+          </a:fontRef>
+        </p:style>
+      </p:cxnSp>
+      <p:cxnSp>
+        <p:nvCxnSpPr>
+          <p:cNvPr id="39" name="Straight Arrow Connector 38">
+            <a:extLst>
+              <a:ext uri="{FF2B5EF4-FFF2-40B4-BE49-F238E27FC236}">
+                <a16:creationId xmlns:a16="http://schemas.microsoft.com/office/drawing/2014/main" id="{FD883E3E-5E2A-B568-01DE-F362156C8012}"/>
+              </a:ext>
+            </a:extLst>
+          </p:cNvPr>
+          <p:cNvCxnSpPr>
+            <a:cxnSpLocks/>
+            <a:stCxn id="5" idx="2"/>
+            <a:endCxn id="9" idx="0"/>
+          </p:cNvCxnSpPr>
+          <p:nvPr/>
+        </p:nvCxnSpPr>
+        <p:spPr>
+          <a:xfrm flipH="1">
+            <a:off x="9494133" y="2789501"/>
+            <a:ext cx="1004105" cy="1034712"/>
+          </a:xfrm>
+          <a:prstGeom prst="straightConnector1">
+            <a:avLst/>
+          </a:prstGeom>
+          <a:ln w="38100">
+            <a:solidFill>
+              <a:schemeClr val="accent6">
+                <a:lumMod val="75000"/>
+              </a:schemeClr>
+            </a:solidFill>
+            <a:prstDash val="solid"/>
+            <a:headEnd type="none" w="med" len="med"/>
+            <a:tailEnd type="triangle" w="lg" len="lg"/>
+          </a:ln>
+        </p:spPr>
+        <p:style>
+          <a:lnRef idx="2">
+            <a:schemeClr val="dk1"/>
+          </a:lnRef>
+          <a:fillRef idx="0">
+            <a:schemeClr val="dk1"/>
+          </a:fillRef>
+          <a:effectRef idx="1">
+            <a:schemeClr val="dk1"/>
+          </a:effectRef>
+          <a:fontRef idx="minor">
+            <a:schemeClr val="tx1"/>
+          </a:fontRef>
+        </p:style>
+      </p:cxnSp>
+      <p:grpSp>
+        <p:nvGrpSpPr>
+          <p:cNvPr id="59" name="Group 58">
+            <a:extLst>
+              <a:ext uri="{FF2B5EF4-FFF2-40B4-BE49-F238E27FC236}">
+                <a16:creationId xmlns:a16="http://schemas.microsoft.com/office/drawing/2014/main" id="{6B105BE0-6C66-787C-E3FC-F6A89E78C970}"/>
+              </a:ext>
+            </a:extLst>
+          </p:cNvPr>
+          <p:cNvGrpSpPr/>
+          <p:nvPr/>
+        </p:nvGrpSpPr>
+        <p:grpSpPr>
+          <a:xfrm>
+            <a:off x="7486405" y="2259213"/>
+            <a:ext cx="1180619" cy="614677"/>
+            <a:chOff x="7660510" y="1985059"/>
+            <a:chExt cx="1180619" cy="614677"/>
+          </a:xfrm>
+        </p:grpSpPr>
+        <p:sp>
+          <p:nvSpPr>
+            <p:cNvPr id="11" name="Flowchart: Alternate Process 10">
+              <a:extLst>
+                <a:ext uri="{FF2B5EF4-FFF2-40B4-BE49-F238E27FC236}">
+                  <a16:creationId xmlns:a16="http://schemas.microsoft.com/office/drawing/2014/main" id="{69689B02-3134-5C33-8FE3-DD003FA6B4DA}"/>
+                </a:ext>
+              </a:extLst>
+            </p:cNvPr>
+            <p:cNvSpPr/>
+            <p:nvPr/>
+          </p:nvSpPr>
+          <p:spPr>
+            <a:xfrm>
+              <a:off x="7836060" y="1985059"/>
+              <a:ext cx="1005069" cy="530208"/>
+            </a:xfrm>
+            <a:prstGeom prst="flowChartAlternateProcess">
+              <a:avLst/>
+            </a:prstGeom>
+            <a:solidFill>
+              <a:srgbClr val="FFFF00">
+                <a:alpha val="50196"/>
+              </a:srgbClr>
+            </a:solidFill>
+          </p:spPr>
+          <p:style>
+            <a:lnRef idx="1">
+              <a:schemeClr val="accent1"/>
+            </a:lnRef>
+            <a:fillRef idx="2">
+              <a:schemeClr val="accent1"/>
+            </a:fillRef>
+            <a:effectRef idx="1">
+              <a:schemeClr val="accent1"/>
+            </a:effectRef>
+            <a:fontRef idx="minor">
+              <a:schemeClr val="dk1"/>
+            </a:fontRef>
+          </p:style>
+          <p:txBody>
+            <a:bodyPr rtlCol="0" anchor="ctr"/>
+            <a:lstStyle/>
+            <a:p>
+              <a:pPr algn="ctr"/>
+              <a:r>
+                <a:rPr lang="en-US" dirty="0"/>
+                <a:t>Lease Expired</a:t>
+              </a:r>
+            </a:p>
+          </p:txBody>
+        </p:sp>
+        <p:sp>
+          <p:nvSpPr>
+            <p:cNvPr id="46" name="Lightning Bolt 45">
+              <a:extLst>
+                <a:ext uri="{FF2B5EF4-FFF2-40B4-BE49-F238E27FC236}">
+                  <a16:creationId xmlns:a16="http://schemas.microsoft.com/office/drawing/2014/main" id="{F8A6D01D-13B3-5622-E028-56820A53DF97}"/>
+                </a:ext>
+              </a:extLst>
+            </p:cNvPr>
+            <p:cNvSpPr/>
+            <p:nvPr/>
+          </p:nvSpPr>
+          <p:spPr>
+            <a:xfrm>
+              <a:off x="7660510" y="2334127"/>
+              <a:ext cx="393540" cy="265609"/>
+            </a:xfrm>
+            <a:prstGeom prst="lightningBolt">
+              <a:avLst/>
+            </a:prstGeom>
+            <a:solidFill>
+              <a:srgbClr val="FFFF00"/>
+            </a:solidFill>
+          </p:spPr>
+          <p:style>
+            <a:lnRef idx="2">
+              <a:schemeClr val="accent1">
+                <a:shade val="15000"/>
+              </a:schemeClr>
+            </a:lnRef>
+            <a:fillRef idx="1">
+              <a:schemeClr val="accent1"/>
+            </a:fillRef>
+            <a:effectRef idx="0">
+              <a:schemeClr val="accent1"/>
+            </a:effectRef>
+            <a:fontRef idx="minor">
+              <a:schemeClr val="lt1"/>
+            </a:fontRef>
+          </p:style>
+          <p:txBody>
+            <a:bodyPr rtlCol="0" anchor="ctr"/>
+            <a:lstStyle/>
+            <a:p>
+              <a:pPr algn="ctr"/>
+              <a:endParaRPr lang="en-US"/>
+            </a:p>
+          </p:txBody>
+        </p:sp>
+      </p:grpSp>
+      <p:cxnSp>
+        <p:nvCxnSpPr>
+          <p:cNvPr id="47" name="Straight Arrow Connector 46">
+            <a:extLst>
+              <a:ext uri="{FF2B5EF4-FFF2-40B4-BE49-F238E27FC236}">
+                <a16:creationId xmlns:a16="http://schemas.microsoft.com/office/drawing/2014/main" id="{69DD0E1B-0D90-0BD2-BA76-B3B74E170956}"/>
+              </a:ext>
+            </a:extLst>
+          </p:cNvPr>
+          <p:cNvCxnSpPr>
+            <a:cxnSpLocks/>
+            <a:stCxn id="5" idx="2"/>
+            <a:endCxn id="10" idx="0"/>
+          </p:cNvCxnSpPr>
+          <p:nvPr/>
+        </p:nvCxnSpPr>
+        <p:spPr>
+          <a:xfrm>
+            <a:off x="10498238" y="2789501"/>
+            <a:ext cx="0" cy="2397466"/>
+          </a:xfrm>
+          <a:prstGeom prst="straightConnector1">
+            <a:avLst/>
+          </a:prstGeom>
+          <a:ln w="38100">
+            <a:solidFill>
+              <a:srgbClr val="FF0000"/>
+            </a:solidFill>
+            <a:prstDash val="solid"/>
+            <a:headEnd type="none" w="med" len="med"/>
+            <a:tailEnd type="triangle" w="lg" len="lg"/>
+          </a:ln>
+        </p:spPr>
+        <p:style>
+          <a:lnRef idx="2">
+            <a:schemeClr val="dk1"/>
+          </a:lnRef>
+          <a:fillRef idx="0">
+            <a:schemeClr val="dk1"/>
+          </a:fillRef>
+          <a:effectRef idx="1">
+            <a:schemeClr val="dk1"/>
+          </a:effectRef>
+          <a:fontRef idx="minor">
+            <a:schemeClr val="tx1"/>
+          </a:fontRef>
+        </p:style>
+      </p:cxnSp>
+      <p:cxnSp>
+        <p:nvCxnSpPr>
+          <p:cNvPr id="50" name="Straight Arrow Connector 49">
+            <a:extLst>
+              <a:ext uri="{FF2B5EF4-FFF2-40B4-BE49-F238E27FC236}">
+                <a16:creationId xmlns:a16="http://schemas.microsoft.com/office/drawing/2014/main" id="{AD2C24B9-4306-5514-7D77-1040884FAAB5}"/>
+              </a:ext>
+            </a:extLst>
+          </p:cNvPr>
+          <p:cNvCxnSpPr>
+            <a:cxnSpLocks/>
+            <a:stCxn id="14" idx="3"/>
+            <a:endCxn id="10" idx="1"/>
+          </p:cNvCxnSpPr>
+          <p:nvPr/>
+        </p:nvCxnSpPr>
+        <p:spPr>
+          <a:xfrm>
+            <a:off x="7650865" y="5436014"/>
+            <a:ext cx="2071869" cy="185500"/>
+          </a:xfrm>
+          <a:prstGeom prst="straightConnector1">
+            <a:avLst/>
+          </a:prstGeom>
+          <a:ln w="38100">
+            <a:solidFill>
+              <a:srgbClr val="FF0000"/>
+            </a:solidFill>
+            <a:prstDash val="solid"/>
+            <a:headEnd type="none" w="med" len="med"/>
+            <a:tailEnd type="triangle" w="lg" len="lg"/>
+          </a:ln>
+        </p:spPr>
+        <p:style>
+          <a:lnRef idx="2">
+            <a:schemeClr val="dk1"/>
+          </a:lnRef>
+          <a:fillRef idx="0">
+            <a:schemeClr val="dk1"/>
+          </a:fillRef>
+          <a:effectRef idx="1">
+            <a:schemeClr val="dk1"/>
+          </a:effectRef>
+          <a:fontRef idx="minor">
+            <a:schemeClr val="tx1"/>
+          </a:fontRef>
+        </p:style>
+      </p:cxnSp>
+      <p:cxnSp>
+        <p:nvCxnSpPr>
+          <p:cNvPr id="62" name="Straight Arrow Connector 61">
+            <a:extLst>
+              <a:ext uri="{FF2B5EF4-FFF2-40B4-BE49-F238E27FC236}">
+                <a16:creationId xmlns:a16="http://schemas.microsoft.com/office/drawing/2014/main" id="{E0AB86C9-5BC4-7CD0-C34E-288CC6B50AD7}"/>
+              </a:ext>
+            </a:extLst>
+          </p:cNvPr>
+          <p:cNvCxnSpPr>
+            <a:cxnSpLocks/>
+            <a:stCxn id="6" idx="1"/>
+            <a:endCxn id="69" idx="3"/>
+          </p:cNvCxnSpPr>
+          <p:nvPr/>
+        </p:nvCxnSpPr>
+        <p:spPr>
+          <a:xfrm flipH="1">
+            <a:off x="3171463" y="1526286"/>
+            <a:ext cx="3323863" cy="22454"/>
+          </a:xfrm>
+          <a:prstGeom prst="straightConnector1">
+            <a:avLst/>
+          </a:prstGeom>
+          <a:ln w="38100">
+            <a:solidFill>
+              <a:srgbClr val="002060"/>
+            </a:solidFill>
+            <a:prstDash val="dashDot"/>
+            <a:headEnd type="triangle" w="lg" len="lg"/>
+            <a:tailEnd type="triangle" w="lg" len="lg"/>
+          </a:ln>
+        </p:spPr>
+        <p:style>
+          <a:lnRef idx="2">
+            <a:schemeClr val="dk1"/>
+          </a:lnRef>
+          <a:fillRef idx="0">
+            <a:schemeClr val="dk1"/>
+          </a:fillRef>
+          <a:effectRef idx="1">
+            <a:schemeClr val="dk1"/>
+          </a:effectRef>
+          <a:fontRef idx="minor">
+            <a:schemeClr val="tx1"/>
+          </a:fontRef>
+        </p:style>
+      </p:cxnSp>
+      <p:sp>
+        <p:nvSpPr>
+          <p:cNvPr id="69" name="Rectangle 68">
+            <a:extLst>
+              <a:ext uri="{FF2B5EF4-FFF2-40B4-BE49-F238E27FC236}">
+                <a16:creationId xmlns:a16="http://schemas.microsoft.com/office/drawing/2014/main" id="{D10AFC2A-583F-5077-9F2F-8D676AE1EF48}"/>
+              </a:ext>
+            </a:extLst>
+          </p:cNvPr>
+          <p:cNvSpPr/>
+          <p:nvPr/>
+        </p:nvSpPr>
+        <p:spPr>
+          <a:xfrm>
+            <a:off x="972273" y="1375876"/>
+            <a:ext cx="2199190" cy="345728"/>
+          </a:xfrm>
+          <a:prstGeom prst="rect">
+            <a:avLst/>
+          </a:prstGeom>
+        </p:spPr>
+        <p:style>
+          <a:lnRef idx="2">
+            <a:schemeClr val="dk1"/>
+          </a:lnRef>
+          <a:fillRef idx="1">
+            <a:schemeClr val="lt1"/>
+          </a:fillRef>
+          <a:effectRef idx="0">
+            <a:schemeClr val="dk1"/>
+          </a:effectRef>
+          <a:fontRef idx="minor">
+            <a:schemeClr val="dk1"/>
+          </a:fontRef>
+        </p:style>
+        <p:txBody>
+          <a:bodyPr rtlCol="0" anchor="ctr"/>
+          <a:lstStyle/>
+          <a:p>
+            <a:pPr algn="ctr"/>
+            <a:r>
+              <a:rPr lang="en-US" dirty="0"/>
+              <a:t>Start</a:t>
+            </a:r>
+          </a:p>
+        </p:txBody>
+      </p:sp>
+      <p:sp>
+        <p:nvSpPr>
+          <p:cNvPr id="72" name="Rectangle 71">
+            <a:extLst>
+              <a:ext uri="{FF2B5EF4-FFF2-40B4-BE49-F238E27FC236}">
+                <a16:creationId xmlns:a16="http://schemas.microsoft.com/office/drawing/2014/main" id="{A00AD719-4CE2-BFEB-84C4-AF0E560C7050}"/>
+              </a:ext>
+            </a:extLst>
+          </p:cNvPr>
+          <p:cNvSpPr/>
+          <p:nvPr/>
+        </p:nvSpPr>
+        <p:spPr>
+          <a:xfrm>
+            <a:off x="972273" y="4341324"/>
+            <a:ext cx="2199190" cy="990325"/>
+          </a:xfrm>
+          <a:prstGeom prst="rect">
+            <a:avLst/>
+          </a:prstGeom>
+        </p:spPr>
+        <p:style>
+          <a:lnRef idx="2">
+            <a:schemeClr val="dk1"/>
+          </a:lnRef>
+          <a:fillRef idx="1">
+            <a:schemeClr val="lt1"/>
+          </a:fillRef>
+          <a:effectRef idx="0">
+            <a:schemeClr val="dk1"/>
+          </a:effectRef>
+          <a:fontRef idx="minor">
+            <a:schemeClr val="dk1"/>
+          </a:fontRef>
+        </p:style>
+        <p:txBody>
+          <a:bodyPr rtlCol="0" anchor="ctr"/>
+          <a:lstStyle/>
+          <a:p>
+            <a:r>
+              <a:rPr lang="en-US" dirty="0"/>
+              <a:t>Pick ONE of these to call depending on results</a:t>
+            </a:r>
+          </a:p>
+        </p:txBody>
+      </p:sp>
+      <p:cxnSp>
+        <p:nvCxnSpPr>
+          <p:cNvPr id="73" name="Straight Arrow Connector 72">
+            <a:extLst>
+              <a:ext uri="{FF2B5EF4-FFF2-40B4-BE49-F238E27FC236}">
+                <a16:creationId xmlns:a16="http://schemas.microsoft.com/office/drawing/2014/main" id="{08680047-0AD3-D65B-8B27-9505EAC84E15}"/>
+              </a:ext>
+            </a:extLst>
+          </p:cNvPr>
+          <p:cNvCxnSpPr>
+            <a:cxnSpLocks/>
+            <a:stCxn id="12" idx="1"/>
+            <a:endCxn id="72" idx="3"/>
+          </p:cNvCxnSpPr>
+          <p:nvPr/>
+        </p:nvCxnSpPr>
+        <p:spPr>
+          <a:xfrm flipH="1">
+            <a:off x="3171463" y="4151704"/>
+            <a:ext cx="3152171" cy="684783"/>
+          </a:xfrm>
+          <a:prstGeom prst="straightConnector1">
+            <a:avLst/>
+          </a:prstGeom>
+          <a:ln w="38100">
+            <a:solidFill>
+              <a:srgbClr val="002060"/>
+            </a:solidFill>
+            <a:prstDash val="dashDot"/>
+            <a:headEnd type="triangle" w="lg" len="lg"/>
+            <a:tailEnd type="triangle" w="lg" len="lg"/>
+          </a:ln>
+        </p:spPr>
+        <p:style>
+          <a:lnRef idx="2">
+            <a:schemeClr val="dk1"/>
+          </a:lnRef>
+          <a:fillRef idx="0">
+            <a:schemeClr val="dk1"/>
+          </a:fillRef>
+          <a:effectRef idx="1">
+            <a:schemeClr val="dk1"/>
+          </a:effectRef>
+          <a:fontRef idx="minor">
+            <a:schemeClr val="tx1"/>
+          </a:fontRef>
+        </p:style>
+      </p:cxnSp>
+      <p:cxnSp>
+        <p:nvCxnSpPr>
+          <p:cNvPr id="76" name="Straight Arrow Connector 75">
+            <a:extLst>
+              <a:ext uri="{FF2B5EF4-FFF2-40B4-BE49-F238E27FC236}">
+                <a16:creationId xmlns:a16="http://schemas.microsoft.com/office/drawing/2014/main" id="{4DAF5AEE-5CAF-0FBC-EB92-7F476690858E}"/>
+              </a:ext>
+            </a:extLst>
+          </p:cNvPr>
+          <p:cNvCxnSpPr>
+            <a:cxnSpLocks/>
+            <a:stCxn id="13" idx="1"/>
+            <a:endCxn id="72" idx="3"/>
+          </p:cNvCxnSpPr>
+          <p:nvPr/>
+        </p:nvCxnSpPr>
+        <p:spPr>
+          <a:xfrm flipH="1">
+            <a:off x="3171463" y="4793859"/>
+            <a:ext cx="3130951" cy="42628"/>
+          </a:xfrm>
+          <a:prstGeom prst="straightConnector1">
+            <a:avLst/>
+          </a:prstGeom>
+          <a:ln w="38100">
+            <a:solidFill>
+              <a:srgbClr val="002060"/>
+            </a:solidFill>
+            <a:prstDash val="dashDot"/>
+            <a:headEnd type="triangle" w="lg" len="lg"/>
+            <a:tailEnd type="triangle" w="lg" len="lg"/>
+          </a:ln>
+        </p:spPr>
+        <p:style>
+          <a:lnRef idx="2">
+            <a:schemeClr val="dk1"/>
+          </a:lnRef>
+          <a:fillRef idx="0">
+            <a:schemeClr val="dk1"/>
+          </a:fillRef>
+          <a:effectRef idx="1">
+            <a:schemeClr val="dk1"/>
+          </a:effectRef>
+          <a:fontRef idx="minor">
+            <a:schemeClr val="tx1"/>
+          </a:fontRef>
+        </p:style>
+      </p:cxnSp>
+      <p:cxnSp>
+        <p:nvCxnSpPr>
+          <p:cNvPr id="79" name="Straight Arrow Connector 78">
+            <a:extLst>
+              <a:ext uri="{FF2B5EF4-FFF2-40B4-BE49-F238E27FC236}">
+                <a16:creationId xmlns:a16="http://schemas.microsoft.com/office/drawing/2014/main" id="{CCEA7386-93BC-A87D-C6D9-0848352322A9}"/>
+              </a:ext>
+            </a:extLst>
+          </p:cNvPr>
+          <p:cNvCxnSpPr>
+            <a:cxnSpLocks/>
+            <a:stCxn id="14" idx="1"/>
+            <a:endCxn id="72" idx="3"/>
+          </p:cNvCxnSpPr>
+          <p:nvPr/>
+        </p:nvCxnSpPr>
+        <p:spPr>
+          <a:xfrm flipH="1" flipV="1">
+            <a:off x="3171463" y="4836487"/>
+            <a:ext cx="3138668" cy="599527"/>
+          </a:xfrm>
+          <a:prstGeom prst="straightConnector1">
+            <a:avLst/>
+          </a:prstGeom>
+          <a:ln w="38100">
+            <a:solidFill>
+              <a:srgbClr val="002060"/>
+            </a:solidFill>
+            <a:prstDash val="dashDot"/>
+            <a:headEnd type="triangle" w="lg" len="lg"/>
+            <a:tailEnd type="triangle" w="lg" len="lg"/>
+          </a:ln>
+        </p:spPr>
+        <p:style>
+          <a:lnRef idx="2">
+            <a:schemeClr val="dk1"/>
+          </a:lnRef>
+          <a:fillRef idx="0">
+            <a:schemeClr val="dk1"/>
+          </a:fillRef>
+          <a:effectRef idx="1">
+            <a:schemeClr val="dk1"/>
+          </a:effectRef>
+          <a:fontRef idx="minor">
+            <a:schemeClr val="tx1"/>
+          </a:fontRef>
+        </p:style>
+      </p:cxnSp>
+      <p:sp>
+        <p:nvSpPr>
+          <p:cNvPr id="92" name="Rectangle 91">
+            <a:extLst>
+              <a:ext uri="{FF2B5EF4-FFF2-40B4-BE49-F238E27FC236}">
+                <a16:creationId xmlns:a16="http://schemas.microsoft.com/office/drawing/2014/main" id="{FB35CE63-B7AA-17C3-59A2-08582FAC2B10}"/>
+              </a:ext>
+            </a:extLst>
+          </p:cNvPr>
+          <p:cNvSpPr/>
+          <p:nvPr/>
+        </p:nvSpPr>
+        <p:spPr>
+          <a:xfrm>
+            <a:off x="972273" y="2510755"/>
+            <a:ext cx="2199190" cy="990325"/>
+          </a:xfrm>
+          <a:prstGeom prst="rect">
+            <a:avLst/>
+          </a:prstGeom>
+          <a:solidFill>
+            <a:schemeClr val="bg1">
+              <a:lumMod val="85000"/>
+            </a:schemeClr>
+          </a:solidFill>
+        </p:spPr>
+        <p:style>
+          <a:lnRef idx="2">
+            <a:schemeClr val="dk1"/>
+          </a:lnRef>
+          <a:fillRef idx="1">
+            <a:schemeClr val="lt1"/>
+          </a:fillRef>
+          <a:effectRef idx="0">
+            <a:schemeClr val="dk1"/>
+          </a:effectRef>
+          <a:fontRef idx="minor">
+            <a:schemeClr val="dk1"/>
+          </a:fontRef>
+        </p:style>
+        <p:txBody>
+          <a:bodyPr rtlCol="0" anchor="t"/>
+          <a:lstStyle/>
+          <a:p>
+            <a:r>
+              <a:rPr lang="en-US" b="1" dirty="0"/>
+              <a:t>Do the unit of work e.g., process the message.</a:t>
+            </a:r>
+          </a:p>
+        </p:txBody>
+      </p:sp>
+      <p:cxnSp>
+        <p:nvCxnSpPr>
+          <p:cNvPr id="93" name="Straight Arrow Connector 92">
+            <a:extLst>
+              <a:ext uri="{FF2B5EF4-FFF2-40B4-BE49-F238E27FC236}">
+                <a16:creationId xmlns:a16="http://schemas.microsoft.com/office/drawing/2014/main" id="{0836C410-EABC-33B5-4C8D-48A71FF00F7C}"/>
+              </a:ext>
+            </a:extLst>
+          </p:cNvPr>
+          <p:cNvCxnSpPr>
+            <a:cxnSpLocks/>
+            <a:stCxn id="69" idx="2"/>
+            <a:endCxn id="92" idx="0"/>
+          </p:cNvCxnSpPr>
+          <p:nvPr/>
+        </p:nvCxnSpPr>
+        <p:spPr>
+          <a:xfrm>
+            <a:off x="2071868" y="1721604"/>
+            <a:ext cx="0" cy="789151"/>
+          </a:xfrm>
+          <a:prstGeom prst="straightConnector1">
+            <a:avLst/>
+          </a:prstGeom>
+          <a:ln w="38100">
+            <a:solidFill>
+              <a:schemeClr val="tx1"/>
+            </a:solidFill>
+            <a:prstDash val="solid"/>
+            <a:headEnd type="none" w="med" len="med"/>
+            <a:tailEnd type="triangle" w="lg" len="lg"/>
+          </a:ln>
+        </p:spPr>
+        <p:style>
+          <a:lnRef idx="2">
+            <a:schemeClr val="dk1"/>
+          </a:lnRef>
+          <a:fillRef idx="0">
+            <a:schemeClr val="dk1"/>
+          </a:fillRef>
+          <a:effectRef idx="1">
+            <a:schemeClr val="dk1"/>
+          </a:effectRef>
+          <a:fontRef idx="minor">
+            <a:schemeClr val="tx1"/>
+          </a:fontRef>
+        </p:style>
+      </p:cxnSp>
+      <p:cxnSp>
+        <p:nvCxnSpPr>
+          <p:cNvPr id="97" name="Straight Arrow Connector 96">
+            <a:extLst>
+              <a:ext uri="{FF2B5EF4-FFF2-40B4-BE49-F238E27FC236}">
+                <a16:creationId xmlns:a16="http://schemas.microsoft.com/office/drawing/2014/main" id="{A153B723-8C9C-A122-E9FF-E68984E87B57}"/>
+              </a:ext>
+            </a:extLst>
+          </p:cNvPr>
+          <p:cNvCxnSpPr>
+            <a:cxnSpLocks/>
+            <a:stCxn id="92" idx="2"/>
+            <a:endCxn id="72" idx="0"/>
+          </p:cNvCxnSpPr>
+          <p:nvPr/>
+        </p:nvCxnSpPr>
+        <p:spPr>
+          <a:xfrm>
+            <a:off x="2071868" y="3501080"/>
+            <a:ext cx="0" cy="840244"/>
+          </a:xfrm>
+          <a:prstGeom prst="straightConnector1">
+            <a:avLst/>
+          </a:prstGeom>
+          <a:ln w="38100">
+            <a:solidFill>
+              <a:schemeClr val="tx1"/>
+            </a:solidFill>
+            <a:prstDash val="solid"/>
+            <a:headEnd type="none" w="med" len="med"/>
+            <a:tailEnd type="triangle" w="lg" len="lg"/>
+          </a:ln>
+        </p:spPr>
+        <p:style>
+          <a:lnRef idx="2">
+            <a:schemeClr val="dk1"/>
+          </a:lnRef>
+          <a:fillRef idx="0">
+            <a:schemeClr val="dk1"/>
+          </a:fillRef>
+          <a:effectRef idx="1">
+            <a:schemeClr val="dk1"/>
+          </a:effectRef>
+          <a:fontRef idx="minor">
+            <a:schemeClr val="tx1"/>
+          </a:fontRef>
+        </p:style>
+      </p:cxnSp>
+      <p:grpSp>
+        <p:nvGrpSpPr>
+          <p:cNvPr id="113" name="Group 112">
+            <a:extLst>
+              <a:ext uri="{FF2B5EF4-FFF2-40B4-BE49-F238E27FC236}">
+                <a16:creationId xmlns:a16="http://schemas.microsoft.com/office/drawing/2014/main" id="{3C756652-6422-C873-D2E2-FC3828C15CF2}"/>
+              </a:ext>
+            </a:extLst>
+          </p:cNvPr>
+          <p:cNvGrpSpPr/>
+          <p:nvPr/>
+        </p:nvGrpSpPr>
+        <p:grpSpPr>
+          <a:xfrm>
+            <a:off x="3666227" y="1135153"/>
+            <a:ext cx="1850116" cy="369332"/>
+            <a:chOff x="3920872" y="1181453"/>
+            <a:chExt cx="1850116" cy="369332"/>
+          </a:xfrm>
+        </p:grpSpPr>
+        <p:pic>
+          <p:nvPicPr>
+            <p:cNvPr id="61" name="Picture 60">
+              <a:extLst>
+                <a:ext uri="{FF2B5EF4-FFF2-40B4-BE49-F238E27FC236}">
+                  <a16:creationId xmlns:a16="http://schemas.microsoft.com/office/drawing/2014/main" id="{73766D52-5824-78DB-5230-2E977759DFC6}"/>
+                </a:ext>
+              </a:extLst>
+            </p:cNvPr>
+            <p:cNvPicPr>
+              <a:picLocks noChangeAspect="1"/>
+            </p:cNvPicPr>
+            <p:nvPr/>
+          </p:nvPicPr>
+          <p:blipFill>
+            <a:blip r:embed="rId2">
+              <a:extLst>
+                <a:ext uri="{28A0092B-C50C-407E-A947-70E740481C1C}">
+                  <a14:useLocalDpi xmlns:a14="http://schemas.microsoft.com/office/drawing/2010/main" val="0"/>
+                </a:ext>
+              </a:extLst>
+            </a:blip>
+            <a:stretch>
+              <a:fillRect/>
+            </a:stretch>
+          </p:blipFill>
+          <p:spPr>
+            <a:xfrm>
+              <a:off x="3920872" y="1218365"/>
+              <a:ext cx="387855" cy="295509"/>
+            </a:xfrm>
+            <a:prstGeom prst="rect">
+              <a:avLst/>
+            </a:prstGeom>
+            <a:solidFill>
+              <a:schemeClr val="bg1"/>
+            </a:solidFill>
+          </p:spPr>
+        </p:pic>
+        <p:sp>
+          <p:nvSpPr>
+            <p:cNvPr id="112" name="TextBox 111">
+              <a:extLst>
+                <a:ext uri="{FF2B5EF4-FFF2-40B4-BE49-F238E27FC236}">
+                  <a16:creationId xmlns:a16="http://schemas.microsoft.com/office/drawing/2014/main" id="{D8D7EAB4-E5C2-DD31-01D6-33AE9B467060}"/>
+                </a:ext>
+              </a:extLst>
+            </p:cNvPr>
+            <p:cNvSpPr txBox="1"/>
+            <p:nvPr/>
+          </p:nvSpPr>
+          <p:spPr>
+            <a:xfrm>
+              <a:off x="4238261" y="1181453"/>
+              <a:ext cx="1532727" cy="369332"/>
+            </a:xfrm>
+            <a:prstGeom prst="rect">
+              <a:avLst/>
+            </a:prstGeom>
+            <a:noFill/>
+          </p:spPr>
+          <p:txBody>
+            <a:bodyPr wrap="none" rtlCol="0">
+              <a:spAutoFit/>
+            </a:bodyPr>
+            <a:lstStyle/>
+            <a:p>
+              <a:r>
+                <a:rPr lang="en-US" dirty="0"/>
+                <a:t>One Message</a:t>
+              </a:r>
+            </a:p>
+          </p:txBody>
+        </p:sp>
+      </p:grpSp>
+      <p:sp>
+        <p:nvSpPr>
+          <p:cNvPr id="114" name="Oval 113">
+            <a:extLst>
+              <a:ext uri="{FF2B5EF4-FFF2-40B4-BE49-F238E27FC236}">
+                <a16:creationId xmlns:a16="http://schemas.microsoft.com/office/drawing/2014/main" id="{965F7FBE-EB61-E64B-532F-6102464955EA}"/>
+              </a:ext>
+            </a:extLst>
+          </p:cNvPr>
+          <p:cNvSpPr/>
+          <p:nvPr/>
+        </p:nvSpPr>
+        <p:spPr>
+          <a:xfrm>
+            <a:off x="7381636" y="4800568"/>
+            <a:ext cx="371833" cy="347318"/>
+          </a:xfrm>
+          <a:prstGeom prst="ellipse">
+            <a:avLst/>
+          </a:prstGeom>
+          <a:solidFill>
+            <a:schemeClr val="tx1"/>
+          </a:solidFill>
+          <a:ln>
+            <a:noFill/>
+          </a:ln>
+        </p:spPr>
+        <p:style>
+          <a:lnRef idx="2">
+            <a:schemeClr val="accent1">
+              <a:shade val="15000"/>
+            </a:schemeClr>
+          </a:lnRef>
+          <a:fillRef idx="1">
+            <a:schemeClr val="accent1"/>
+          </a:fillRef>
+          <a:effectRef idx="0">
+            <a:schemeClr val="accent1"/>
+          </a:effectRef>
+          <a:fontRef idx="minor">
+            <a:schemeClr val="lt1"/>
+          </a:fontRef>
+        </p:style>
+        <p:txBody>
+          <a:bodyPr rtlCol="0" anchor="ctr"/>
+          <a:lstStyle/>
+          <a:p>
+            <a:pPr algn="ctr"/>
+            <a:r>
+              <a:rPr lang="en-US" dirty="0"/>
+              <a:t>1</a:t>
+            </a:r>
+          </a:p>
+        </p:txBody>
+      </p:sp>
+      <p:sp>
+        <p:nvSpPr>
+          <p:cNvPr id="115" name="Oval 114">
+            <a:extLst>
+              <a:ext uri="{FF2B5EF4-FFF2-40B4-BE49-F238E27FC236}">
+                <a16:creationId xmlns:a16="http://schemas.microsoft.com/office/drawing/2014/main" id="{0E8BCD0F-8651-06E0-3F47-BB15DED631A0}"/>
+              </a:ext>
+            </a:extLst>
+          </p:cNvPr>
+          <p:cNvSpPr/>
+          <p:nvPr/>
+        </p:nvSpPr>
+        <p:spPr>
+          <a:xfrm>
+            <a:off x="7381636" y="4203318"/>
+            <a:ext cx="371833" cy="347318"/>
+          </a:xfrm>
+          <a:prstGeom prst="ellipse">
+            <a:avLst/>
+          </a:prstGeom>
+          <a:solidFill>
+            <a:schemeClr val="tx1"/>
+          </a:solidFill>
+          <a:ln>
+            <a:noFill/>
+          </a:ln>
+        </p:spPr>
+        <p:style>
+          <a:lnRef idx="2">
+            <a:schemeClr val="accent1">
+              <a:shade val="15000"/>
+            </a:schemeClr>
+          </a:lnRef>
+          <a:fillRef idx="1">
+            <a:schemeClr val="accent1"/>
+          </a:fillRef>
+          <a:effectRef idx="0">
+            <a:schemeClr val="accent1"/>
+          </a:effectRef>
+          <a:fontRef idx="minor">
+            <a:schemeClr val="lt1"/>
+          </a:fontRef>
+        </p:style>
+        <p:txBody>
+          <a:bodyPr rtlCol="0" anchor="ctr"/>
+          <a:lstStyle/>
+          <a:p>
+            <a:pPr algn="ctr"/>
+            <a:r>
+              <a:rPr lang="en-US" dirty="0"/>
+              <a:t>2</a:t>
+            </a:r>
+          </a:p>
+        </p:txBody>
+      </p:sp>
+      <p:sp>
+        <p:nvSpPr>
+          <p:cNvPr id="116" name="Oval 115">
+            <a:extLst>
+              <a:ext uri="{FF2B5EF4-FFF2-40B4-BE49-F238E27FC236}">
+                <a16:creationId xmlns:a16="http://schemas.microsoft.com/office/drawing/2014/main" id="{93E8AA00-0706-DB8A-E846-A723A3231843}"/>
+              </a:ext>
+            </a:extLst>
+          </p:cNvPr>
+          <p:cNvSpPr/>
+          <p:nvPr/>
+        </p:nvSpPr>
+        <p:spPr>
+          <a:xfrm>
+            <a:off x="7381636" y="5456232"/>
+            <a:ext cx="371833" cy="347318"/>
+          </a:xfrm>
+          <a:prstGeom prst="ellipse">
+            <a:avLst/>
+          </a:prstGeom>
+          <a:solidFill>
+            <a:schemeClr val="tx1"/>
+          </a:solidFill>
+          <a:ln>
+            <a:noFill/>
+          </a:ln>
+        </p:spPr>
+        <p:style>
+          <a:lnRef idx="2">
+            <a:schemeClr val="accent1">
+              <a:shade val="15000"/>
+            </a:schemeClr>
+          </a:lnRef>
+          <a:fillRef idx="1">
+            <a:schemeClr val="accent1"/>
+          </a:fillRef>
+          <a:effectRef idx="0">
+            <a:schemeClr val="accent1"/>
+          </a:effectRef>
+          <a:fontRef idx="minor">
+            <a:schemeClr val="lt1"/>
+          </a:fontRef>
+        </p:style>
+        <p:txBody>
+          <a:bodyPr rtlCol="0" anchor="ctr"/>
+          <a:lstStyle/>
+          <a:p>
+            <a:pPr algn="ctr"/>
+            <a:r>
+              <a:rPr lang="en-US" dirty="0"/>
+              <a:t>3</a:t>
+            </a:r>
+          </a:p>
+        </p:txBody>
+      </p:sp>
+    </p:spTree>
+    <p:extLst>
+      <p:ext uri="{BB962C8B-B14F-4D97-AF65-F5344CB8AC3E}">
+        <p14:creationId xmlns:p14="http://schemas.microsoft.com/office/powerpoint/2010/main" val="82679959"/>
       </p:ext>
     </p:extLst>
   </p:cSld>

--- a/doc/MESSAGE_LIFECYCLE.pptx
+++ b/doc/MESSAGE_LIFECYCLE.pptx
@@ -6631,6 +6631,215 @@
           </a:p>
         </p:txBody>
       </p:sp>
+      <p:sp>
+        <p:nvSpPr>
+          <p:cNvPr id="7" name="Flowchart: Alternate Process 6">
+            <a:extLst>
+              <a:ext uri="{FF2B5EF4-FFF2-40B4-BE49-F238E27FC236}">
+                <a16:creationId xmlns:a16="http://schemas.microsoft.com/office/drawing/2014/main" id="{900CA701-E45E-23EB-9AE0-2E90864ED174}"/>
+              </a:ext>
+            </a:extLst>
+          </p:cNvPr>
+          <p:cNvSpPr/>
+          <p:nvPr/>
+        </p:nvSpPr>
+        <p:spPr>
+          <a:xfrm>
+            <a:off x="6342441" y="3378448"/>
+            <a:ext cx="1340734" cy="265609"/>
+          </a:xfrm>
+          <a:prstGeom prst="flowChartAlternateProcess">
+            <a:avLst/>
+          </a:prstGeom>
+          <a:solidFill>
+            <a:schemeClr val="accent5">
+              <a:lumMod val="40000"/>
+              <a:lumOff val="60000"/>
+            </a:schemeClr>
+          </a:solidFill>
+          <a:ln>
+            <a:solidFill>
+              <a:schemeClr val="tx1"/>
+            </a:solidFill>
+          </a:ln>
+        </p:spPr>
+        <p:style>
+          <a:lnRef idx="1">
+            <a:schemeClr val="accent4"/>
+          </a:lnRef>
+          <a:fillRef idx="2">
+            <a:schemeClr val="accent4"/>
+          </a:fillRef>
+          <a:effectRef idx="1">
+            <a:schemeClr val="accent4"/>
+          </a:effectRef>
+          <a:fontRef idx="minor">
+            <a:schemeClr val="dk1"/>
+          </a:fontRef>
+        </p:style>
+        <p:txBody>
+          <a:bodyPr rtlCol="0" anchor="ctr"/>
+          <a:lstStyle/>
+          <a:p>
+            <a:pPr algn="ctr"/>
+            <a:r>
+              <a:rPr lang="en-US" sz="1400" dirty="0"/>
+              <a:t>reschedule()</a:t>
+            </a:r>
+          </a:p>
+        </p:txBody>
+      </p:sp>
+      <p:sp>
+        <p:nvSpPr>
+          <p:cNvPr id="15" name="Oval 14">
+            <a:extLst>
+              <a:ext uri="{FF2B5EF4-FFF2-40B4-BE49-F238E27FC236}">
+                <a16:creationId xmlns:a16="http://schemas.microsoft.com/office/drawing/2014/main" id="{9DC28824-F57E-B15C-50C4-E0DC30D10BA3}"/>
+              </a:ext>
+            </a:extLst>
+          </p:cNvPr>
+          <p:cNvSpPr/>
+          <p:nvPr/>
+        </p:nvSpPr>
+        <p:spPr>
+          <a:xfrm>
+            <a:off x="7431913" y="3571727"/>
+            <a:ext cx="371833" cy="347318"/>
+          </a:xfrm>
+          <a:prstGeom prst="ellipse">
+            <a:avLst/>
+          </a:prstGeom>
+          <a:solidFill>
+            <a:schemeClr val="tx1"/>
+          </a:solidFill>
+          <a:ln>
+            <a:noFill/>
+          </a:ln>
+        </p:spPr>
+        <p:style>
+          <a:lnRef idx="2">
+            <a:schemeClr val="accent1">
+              <a:shade val="15000"/>
+            </a:schemeClr>
+          </a:lnRef>
+          <a:fillRef idx="1">
+            <a:schemeClr val="accent1"/>
+          </a:fillRef>
+          <a:effectRef idx="0">
+            <a:schemeClr val="accent1"/>
+          </a:effectRef>
+          <a:fontRef idx="minor">
+            <a:schemeClr val="lt1"/>
+          </a:fontRef>
+        </p:style>
+        <p:txBody>
+          <a:bodyPr rtlCol="0" anchor="ctr"/>
+          <a:lstStyle/>
+          <a:p>
+            <a:pPr algn="ctr"/>
+            <a:r>
+              <a:rPr lang="en-US" dirty="0"/>
+              <a:t>4</a:t>
+            </a:r>
+          </a:p>
+        </p:txBody>
+      </p:sp>
+      <p:cxnSp>
+        <p:nvCxnSpPr>
+          <p:cNvPr id="17" name="Straight Arrow Connector 16">
+            <a:extLst>
+              <a:ext uri="{FF2B5EF4-FFF2-40B4-BE49-F238E27FC236}">
+                <a16:creationId xmlns:a16="http://schemas.microsoft.com/office/drawing/2014/main" id="{951C2B11-C73E-B764-8EE7-6CEA00473694}"/>
+              </a:ext>
+            </a:extLst>
+          </p:cNvPr>
+          <p:cNvCxnSpPr>
+            <a:cxnSpLocks/>
+            <a:stCxn id="7" idx="1"/>
+            <a:endCxn id="72" idx="3"/>
+          </p:cNvCxnSpPr>
+          <p:nvPr/>
+        </p:nvCxnSpPr>
+        <p:spPr>
+          <a:xfrm flipH="1">
+            <a:off x="3171463" y="3511253"/>
+            <a:ext cx="3170978" cy="1325234"/>
+          </a:xfrm>
+          <a:prstGeom prst="straightConnector1">
+            <a:avLst/>
+          </a:prstGeom>
+          <a:ln w="38100">
+            <a:solidFill>
+              <a:srgbClr val="002060"/>
+            </a:solidFill>
+            <a:prstDash val="dashDot"/>
+            <a:headEnd type="triangle" w="lg" len="lg"/>
+            <a:tailEnd type="triangle" w="lg" len="lg"/>
+          </a:ln>
+        </p:spPr>
+        <p:style>
+          <a:lnRef idx="2">
+            <a:schemeClr val="dk1"/>
+          </a:lnRef>
+          <a:fillRef idx="0">
+            <a:schemeClr val="dk1"/>
+          </a:fillRef>
+          <a:effectRef idx="1">
+            <a:schemeClr val="dk1"/>
+          </a:effectRef>
+          <a:fontRef idx="minor">
+            <a:schemeClr val="tx1"/>
+          </a:fontRef>
+        </p:style>
+      </p:cxnSp>
+      <p:cxnSp>
+        <p:nvCxnSpPr>
+          <p:cNvPr id="23" name="Straight Arrow Connector 22">
+            <a:extLst>
+              <a:ext uri="{FF2B5EF4-FFF2-40B4-BE49-F238E27FC236}">
+                <a16:creationId xmlns:a16="http://schemas.microsoft.com/office/drawing/2014/main" id="{52929768-13B3-8A36-D9B9-5872DEA37ECF}"/>
+              </a:ext>
+            </a:extLst>
+          </p:cNvPr>
+          <p:cNvCxnSpPr>
+            <a:cxnSpLocks/>
+            <a:stCxn id="7" idx="3"/>
+            <a:endCxn id="20" idx="1"/>
+          </p:cNvCxnSpPr>
+          <p:nvPr/>
+        </p:nvCxnSpPr>
+        <p:spPr>
+          <a:xfrm flipV="1">
+            <a:off x="7683175" y="2688085"/>
+            <a:ext cx="2010624" cy="823168"/>
+          </a:xfrm>
+          <a:prstGeom prst="straightConnector1">
+            <a:avLst/>
+          </a:prstGeom>
+          <a:ln w="38100">
+            <a:solidFill>
+              <a:schemeClr val="tx1"/>
+            </a:solidFill>
+            <a:prstDash val="solid"/>
+            <a:headEnd type="none" w="med" len="med"/>
+            <a:tailEnd type="triangle" w="lg" len="lg"/>
+          </a:ln>
+        </p:spPr>
+        <p:style>
+          <a:lnRef idx="2">
+            <a:schemeClr val="dk1"/>
+          </a:lnRef>
+          <a:fillRef idx="0">
+            <a:schemeClr val="dk1"/>
+          </a:fillRef>
+          <a:effectRef idx="1">
+            <a:schemeClr val="dk1"/>
+          </a:effectRef>
+          <a:fontRef idx="minor">
+            <a:schemeClr val="tx1"/>
+          </a:fontRef>
+        </p:style>
+      </p:cxnSp>
     </p:spTree>
     <p:extLst>
       <p:ext uri="{BB962C8B-B14F-4D97-AF65-F5344CB8AC3E}">

--- a/doc/MESSAGE_LIFECYCLE.pptx
+++ b/doc/MESSAGE_LIFECYCLE.pptx
@@ -5330,8 +5330,12 @@
           <a:p>
             <a:pPr algn="ctr"/>
             <a:r>
+              <a:rPr lang="en-US" dirty="0" err="1"/>
+              <a:t>rej</a:t>
+            </a:r>
+            <a:r>
               <a:rPr lang="en-US" dirty="0"/>
-              <a:t>reject()</a:t>
+              <a:t> ()</a:t>
             </a:r>
           </a:p>
         </p:txBody>
@@ -6683,8 +6687,12 @@
           <a:p>
             <a:pPr algn="ctr"/>
             <a:r>
-              <a:rPr lang="en-US" sz="1400" dirty="0"/>
-              <a:t>reschedule()</a:t>
+              <a:rPr lang="en-US" dirty="0" err="1"/>
+              <a:t>rsh</a:t>
+            </a:r>
+            <a:r>
+              <a:rPr lang="en-US" dirty="0"/>
+              <a:t>()</a:t>
             </a:r>
           </a:p>
         </p:txBody>
